--- a/lbl2016/HPX Workshop (Berkeley C++ Summit) - 2.pptx
+++ b/lbl2016/HPX Workshop (Berkeley C++ Summit) - 2.pptx
@@ -5,7 +5,7 @@
     <p:sldMasterId id="2147483660" r:id="rId1"/>
   </p:sldMasterIdLst>
   <p:notesMasterIdLst>
-    <p:notesMasterId r:id="rId45"/>
+    <p:notesMasterId r:id="rId47"/>
   </p:notesMasterIdLst>
   <p:sldIdLst>
     <p:sldId id="256" r:id="rId2"/>
@@ -49,8 +49,10 @@
     <p:sldId id="381" r:id="rId40"/>
     <p:sldId id="385" r:id="rId41"/>
     <p:sldId id="383" r:id="rId42"/>
-    <p:sldId id="384" r:id="rId43"/>
-    <p:sldId id="360" r:id="rId44"/>
+    <p:sldId id="388" r:id="rId43"/>
+    <p:sldId id="389" r:id="rId44"/>
+    <p:sldId id="390" r:id="rId45"/>
+    <p:sldId id="360" r:id="rId46"/>
   </p:sldIdLst>
   <p:sldSz cx="12192000" cy="6858000"/>
   <p:notesSz cx="6858000" cy="9144000"/>
@@ -1181,7 +1183,7 @@
           <a:p>
             <a:fld id="{9895210F-3153-47D6-B786-4D5C9DCDB62B}" type="slidenum">
               <a:rPr lang="en-US" smtClean="0"/>
-              <a:t>43</a:t>
+              <a:t>45</a:t>
             </a:fld>
             <a:endParaRPr lang="en-US"/>
           </a:p>
@@ -25051,7 +25053,11 @@
           <a:bodyPr/>
           <a:lstStyle/>
           <a:p>
-            <a:endParaRPr lang="en-US"/>
+            <a:r>
+              <a:rPr lang="en-US" dirty="0"/>
+              <a:t>Fork-join Parallelism</a:t>
+            </a:r>
+            <a:endParaRPr lang="en-US" dirty="0"/>
           </a:p>
         </p:txBody>
       </p:sp>
@@ -25158,7 +25164,45 @@
       </p:grpSpPr>
       <p:sp>
         <p:nvSpPr>
-          <p:cNvPr id="7" name="Title 6"/>
+          <p:cNvPr id="6" name="Rectangle 5"/>
+          <p:cNvSpPr/>
+          <p:nvPr/>
+        </p:nvSpPr>
+        <p:spPr>
+          <a:xfrm>
+            <a:off x="800100" y="2333625"/>
+            <a:ext cx="10485120" cy="3846512"/>
+          </a:xfrm>
+          <a:prstGeom prst="rect">
+            <a:avLst/>
+          </a:prstGeom>
+        </p:spPr>
+        <p:style>
+          <a:lnRef idx="1">
+            <a:schemeClr val="accent1"/>
+          </a:lnRef>
+          <a:fillRef idx="2">
+            <a:schemeClr val="accent1"/>
+          </a:fillRef>
+          <a:effectRef idx="1">
+            <a:schemeClr val="accent1"/>
+          </a:effectRef>
+          <a:fontRef idx="minor">
+            <a:schemeClr val="dk1"/>
+          </a:fontRef>
+        </p:style>
+        <p:txBody>
+          <a:bodyPr rtlCol="0" anchor="ctr"/>
+          <a:lstStyle/>
+          <a:p>
+            <a:pPr algn="ctr"/>
+            <a:endParaRPr lang="en-US"/>
+          </a:p>
+        </p:txBody>
+      </p:sp>
+      <p:sp>
+        <p:nvSpPr>
+          <p:cNvPr id="4" name="Title 3"/>
           <p:cNvSpPr>
             <a:spLocks noGrp="1"/>
           </p:cNvSpPr>
@@ -25171,18 +25215,602 @@
           <a:bodyPr/>
           <a:lstStyle/>
           <a:p>
-            <a:endParaRPr lang="en-US"/>
-          </a:p>
-        </p:txBody>
-      </p:sp>
-      <p:sp>
-        <p:nvSpPr>
-          <p:cNvPr id="8" name="Content Placeholder 7"/>
+            <a:r>
+              <a:rPr lang="en-US" dirty="0" smtClean="0"/>
+              <a:t>Task blocks (</a:t>
+            </a:r>
+            <a:r>
+              <a:rPr lang="en-US" dirty="0"/>
+              <a:t>see </a:t>
+            </a:r>
+            <a:r>
+              <a:rPr lang="en-US" dirty="0" smtClean="0"/>
+              <a:t>P0155R0)</a:t>
+            </a:r>
+            <a:endParaRPr lang="en-US" dirty="0"/>
+          </a:p>
+        </p:txBody>
+      </p:sp>
+      <p:sp>
+        <p:nvSpPr>
+          <p:cNvPr id="5" name="Content Placeholder 4"/>
           <p:cNvSpPr>
             <a:spLocks noGrp="1"/>
           </p:cNvSpPr>
           <p:nvPr>
             <p:ph idx="1"/>
+          </p:nvPr>
+        </p:nvSpPr>
+        <p:spPr>
+          <a:xfrm>
+            <a:off x="1261872" y="1828800"/>
+            <a:ext cx="10023348" cy="4351337"/>
+          </a:xfrm>
+        </p:spPr>
+        <p:txBody>
+          <a:bodyPr>
+            <a:normAutofit fontScale="77500" lnSpcReduction="20000"/>
+          </a:bodyPr>
+          <a:lstStyle/>
+          <a:p>
+            <a:r>
+              <a:rPr lang="en-US" sz="2600" dirty="0" smtClean="0"/>
+              <a:t>Canonic fork-join parallelism of independent </a:t>
+            </a:r>
+            <a:r>
+              <a:rPr lang="en-US" sz="2600" dirty="0"/>
+              <a:t>and </a:t>
+            </a:r>
+            <a:r>
+              <a:rPr lang="en-US" sz="2600" dirty="0" smtClean="0"/>
+              <a:t>non-homogeneous </a:t>
+            </a:r>
+            <a:r>
+              <a:rPr lang="en-US" sz="2600" dirty="0"/>
+              <a:t>code </a:t>
+            </a:r>
+            <a:r>
+              <a:rPr lang="en-US" sz="2600" dirty="0" smtClean="0"/>
+              <a:t>paths</a:t>
+            </a:r>
+            <a:endParaRPr lang="en-US" dirty="0" smtClean="0"/>
+          </a:p>
+          <a:p>
+            <a:pPr marL="0" indent="0">
+              <a:spcBef>
+                <a:spcPts val="0"/>
+              </a:spcBef>
+              <a:spcAft>
+                <a:spcPts val="400"/>
+              </a:spcAft>
+              <a:buNone/>
+            </a:pPr>
+            <a:r>
+              <a:rPr lang="en-US" dirty="0"/>
+              <a:t> </a:t>
+            </a:r>
+            <a:endParaRPr lang="en-US" dirty="0" smtClean="0"/>
+          </a:p>
+          <a:p>
+            <a:pPr marL="0" indent="0">
+              <a:spcBef>
+                <a:spcPts val="0"/>
+              </a:spcBef>
+              <a:spcAft>
+                <a:spcPts val="400"/>
+              </a:spcAft>
+              <a:buNone/>
+            </a:pPr>
+            <a:endParaRPr lang="en-US" dirty="0">
+              <a:latin typeface="Consolas" panose="020B0609020204030204" pitchFamily="49" charset="0"/>
+              <a:cs typeface="Consolas" panose="020B0609020204030204" pitchFamily="49" charset="0"/>
+            </a:endParaRPr>
+          </a:p>
+          <a:p>
+            <a:pPr marL="0" indent="0">
+              <a:spcBef>
+                <a:spcPts val="0"/>
+              </a:spcBef>
+              <a:spcAft>
+                <a:spcPts val="400"/>
+              </a:spcAft>
+              <a:buNone/>
+            </a:pPr>
+            <a:r>
+              <a:rPr lang="en-US" dirty="0" smtClean="0">
+                <a:latin typeface="Consolas" panose="020B0609020204030204" pitchFamily="49" charset="0"/>
+                <a:cs typeface="Consolas" panose="020B0609020204030204" pitchFamily="49" charset="0"/>
+              </a:rPr>
+              <a:t>    template </a:t>
+            </a:r>
+            <a:r>
+              <a:rPr lang="en-US" dirty="0">
+                <a:latin typeface="Consolas" panose="020B0609020204030204" pitchFamily="49" charset="0"/>
+                <a:cs typeface="Consolas" panose="020B0609020204030204" pitchFamily="49" charset="0"/>
+              </a:rPr>
+              <a:t>&lt;</a:t>
+            </a:r>
+            <a:r>
+              <a:rPr lang="en-US" dirty="0" err="1">
+                <a:latin typeface="Consolas" panose="020B0609020204030204" pitchFamily="49" charset="0"/>
+                <a:cs typeface="Consolas" panose="020B0609020204030204" pitchFamily="49" charset="0"/>
+              </a:rPr>
+              <a:t>typename</a:t>
+            </a:r>
+            <a:r>
+              <a:rPr lang="en-US" dirty="0">
+                <a:latin typeface="Consolas" panose="020B0609020204030204" pitchFamily="49" charset="0"/>
+                <a:cs typeface="Consolas" panose="020B0609020204030204" pitchFamily="49" charset="0"/>
+              </a:rPr>
+              <a:t> </a:t>
+            </a:r>
+            <a:r>
+              <a:rPr lang="en-US" dirty="0" err="1">
+                <a:latin typeface="Consolas" panose="020B0609020204030204" pitchFamily="49" charset="0"/>
+                <a:cs typeface="Consolas" panose="020B0609020204030204" pitchFamily="49" charset="0"/>
+              </a:rPr>
+              <a:t>Func</a:t>
+            </a:r>
+            <a:r>
+              <a:rPr lang="en-US" dirty="0">
+                <a:latin typeface="Consolas" panose="020B0609020204030204" pitchFamily="49" charset="0"/>
+                <a:cs typeface="Consolas" panose="020B0609020204030204" pitchFamily="49" charset="0"/>
+              </a:rPr>
+              <a:t>&gt;</a:t>
+            </a:r>
+          </a:p>
+          <a:p>
+            <a:pPr marL="0" indent="0">
+              <a:spcBef>
+                <a:spcPts val="0"/>
+              </a:spcBef>
+              <a:spcAft>
+                <a:spcPts val="400"/>
+              </a:spcAft>
+              <a:buNone/>
+            </a:pPr>
+            <a:r>
+              <a:rPr lang="en-US" dirty="0">
+                <a:latin typeface="Consolas" panose="020B0609020204030204" pitchFamily="49" charset="0"/>
+                <a:cs typeface="Consolas" panose="020B0609020204030204" pitchFamily="49" charset="0"/>
+              </a:rPr>
+              <a:t>    </a:t>
+            </a:r>
+            <a:r>
+              <a:rPr lang="en-US" dirty="0" err="1">
+                <a:latin typeface="Consolas" panose="020B0609020204030204" pitchFamily="49" charset="0"/>
+                <a:cs typeface="Consolas" panose="020B0609020204030204" pitchFamily="49" charset="0"/>
+              </a:rPr>
+              <a:t>int</a:t>
+            </a:r>
+            <a:r>
+              <a:rPr lang="en-US" dirty="0">
+                <a:latin typeface="Consolas" panose="020B0609020204030204" pitchFamily="49" charset="0"/>
+                <a:cs typeface="Consolas" panose="020B0609020204030204" pitchFamily="49" charset="0"/>
+              </a:rPr>
+              <a:t> </a:t>
+            </a:r>
+            <a:r>
+              <a:rPr lang="en-US" dirty="0" smtClean="0">
+                <a:latin typeface="Consolas" panose="020B0609020204030204" pitchFamily="49" charset="0"/>
+                <a:cs typeface="Consolas" panose="020B0609020204030204" pitchFamily="49" charset="0"/>
+              </a:rPr>
+              <a:t>traverse(node </a:t>
+            </a:r>
+            <a:r>
+              <a:rPr lang="en-US" dirty="0" err="1" smtClean="0">
+                <a:latin typeface="Consolas" panose="020B0609020204030204" pitchFamily="49" charset="0"/>
+                <a:cs typeface="Consolas" panose="020B0609020204030204" pitchFamily="49" charset="0"/>
+              </a:rPr>
+              <a:t>const</a:t>
+            </a:r>
+            <a:r>
+              <a:rPr lang="en-US" dirty="0" smtClean="0">
+                <a:latin typeface="Consolas" panose="020B0609020204030204" pitchFamily="49" charset="0"/>
+                <a:cs typeface="Consolas" panose="020B0609020204030204" pitchFamily="49" charset="0"/>
+              </a:rPr>
+              <a:t>&amp; </a:t>
+            </a:r>
+            <a:r>
+              <a:rPr lang="en-US" dirty="0">
+                <a:latin typeface="Consolas" panose="020B0609020204030204" pitchFamily="49" charset="0"/>
+                <a:cs typeface="Consolas" panose="020B0609020204030204" pitchFamily="49" charset="0"/>
+              </a:rPr>
+              <a:t>n, </a:t>
+            </a:r>
+            <a:r>
+              <a:rPr lang="en-US" dirty="0" err="1" smtClean="0">
+                <a:latin typeface="Consolas" panose="020B0609020204030204" pitchFamily="49" charset="0"/>
+                <a:cs typeface="Consolas" panose="020B0609020204030204" pitchFamily="49" charset="0"/>
+              </a:rPr>
+              <a:t>Func</a:t>
+            </a:r>
+            <a:r>
+              <a:rPr lang="en-US" dirty="0" smtClean="0">
+                <a:latin typeface="Consolas" panose="020B0609020204030204" pitchFamily="49" charset="0"/>
+                <a:cs typeface="Consolas" panose="020B0609020204030204" pitchFamily="49" charset="0"/>
+              </a:rPr>
+              <a:t> </a:t>
+            </a:r>
+            <a:r>
+              <a:rPr lang="en-US" dirty="0">
+                <a:latin typeface="Consolas" panose="020B0609020204030204" pitchFamily="49" charset="0"/>
+                <a:cs typeface="Consolas" panose="020B0609020204030204" pitchFamily="49" charset="0"/>
+              </a:rPr>
+              <a:t>compute)</a:t>
+            </a:r>
+          </a:p>
+          <a:p>
+            <a:pPr marL="0" indent="0">
+              <a:spcBef>
+                <a:spcPts val="0"/>
+              </a:spcBef>
+              <a:spcAft>
+                <a:spcPts val="400"/>
+              </a:spcAft>
+              <a:buNone/>
+            </a:pPr>
+            <a:r>
+              <a:rPr lang="en-US" dirty="0">
+                <a:latin typeface="Consolas" panose="020B0609020204030204" pitchFamily="49" charset="0"/>
+                <a:cs typeface="Consolas" panose="020B0609020204030204" pitchFamily="49" charset="0"/>
+              </a:rPr>
+              <a:t>    {</a:t>
+            </a:r>
+          </a:p>
+          <a:p>
+            <a:pPr marL="0" indent="0">
+              <a:spcBef>
+                <a:spcPts val="0"/>
+              </a:spcBef>
+              <a:spcAft>
+                <a:spcPts val="400"/>
+              </a:spcAft>
+              <a:buNone/>
+            </a:pPr>
+            <a:r>
+              <a:rPr lang="en-US" dirty="0">
+                <a:latin typeface="Consolas" panose="020B0609020204030204" pitchFamily="49" charset="0"/>
+                <a:cs typeface="Consolas" panose="020B0609020204030204" pitchFamily="49" charset="0"/>
+              </a:rPr>
+              <a:t>        </a:t>
+            </a:r>
+            <a:r>
+              <a:rPr lang="en-US" dirty="0" err="1">
+                <a:latin typeface="Consolas" panose="020B0609020204030204" pitchFamily="49" charset="0"/>
+                <a:cs typeface="Consolas" panose="020B0609020204030204" pitchFamily="49" charset="0"/>
+              </a:rPr>
+              <a:t>int</a:t>
+            </a:r>
+            <a:r>
+              <a:rPr lang="en-US" dirty="0">
+                <a:latin typeface="Consolas" panose="020B0609020204030204" pitchFamily="49" charset="0"/>
+                <a:cs typeface="Consolas" panose="020B0609020204030204" pitchFamily="49" charset="0"/>
+              </a:rPr>
+              <a:t> left = 0, right = 0</a:t>
+            </a:r>
+            <a:r>
+              <a:rPr lang="en-US" dirty="0" smtClean="0">
+                <a:latin typeface="Consolas" panose="020B0609020204030204" pitchFamily="49" charset="0"/>
+                <a:cs typeface="Consolas" panose="020B0609020204030204" pitchFamily="49" charset="0"/>
+              </a:rPr>
+              <a:t>;</a:t>
+            </a:r>
+          </a:p>
+          <a:p>
+            <a:pPr marL="0" indent="0">
+              <a:spcBef>
+                <a:spcPts val="0"/>
+              </a:spcBef>
+              <a:spcAft>
+                <a:spcPts val="400"/>
+              </a:spcAft>
+              <a:buNone/>
+            </a:pPr>
+            <a:endParaRPr lang="en-US" dirty="0">
+              <a:latin typeface="Consolas" panose="020B0609020204030204" pitchFamily="49" charset="0"/>
+              <a:cs typeface="Consolas" panose="020B0609020204030204" pitchFamily="49" charset="0"/>
+            </a:endParaRPr>
+          </a:p>
+          <a:p>
+            <a:pPr marL="0" indent="0">
+              <a:spcBef>
+                <a:spcPts val="0"/>
+              </a:spcBef>
+              <a:spcAft>
+                <a:spcPts val="400"/>
+              </a:spcAft>
+              <a:buNone/>
+            </a:pPr>
+            <a:r>
+              <a:rPr lang="en-US" dirty="0">
+                <a:latin typeface="Consolas" panose="020B0609020204030204" pitchFamily="49" charset="0"/>
+                <a:cs typeface="Consolas" panose="020B0609020204030204" pitchFamily="49" charset="0"/>
+              </a:rPr>
+              <a:t>        </a:t>
+            </a:r>
+            <a:r>
+              <a:rPr lang="en-US" dirty="0" err="1">
+                <a:latin typeface="Consolas" panose="020B0609020204030204" pitchFamily="49" charset="0"/>
+                <a:cs typeface="Consolas" panose="020B0609020204030204" pitchFamily="49" charset="0"/>
+              </a:rPr>
+              <a:t>define_task_block</a:t>
+            </a:r>
+            <a:r>
+              <a:rPr lang="en-US" dirty="0" smtClean="0">
+                <a:latin typeface="Consolas" panose="020B0609020204030204" pitchFamily="49" charset="0"/>
+                <a:cs typeface="Consolas" panose="020B0609020204030204" pitchFamily="49" charset="0"/>
+              </a:rPr>
+              <a:t>(</a:t>
+            </a:r>
+          </a:p>
+          <a:p>
+            <a:pPr marL="0" indent="0">
+              <a:spcBef>
+                <a:spcPts val="0"/>
+              </a:spcBef>
+              <a:spcAft>
+                <a:spcPts val="400"/>
+              </a:spcAft>
+              <a:buNone/>
+            </a:pPr>
+            <a:r>
+              <a:rPr lang="en-US" dirty="0">
+                <a:latin typeface="Consolas" panose="020B0609020204030204" pitchFamily="49" charset="0"/>
+                <a:cs typeface="Consolas" panose="020B0609020204030204" pitchFamily="49" charset="0"/>
+              </a:rPr>
+              <a:t> </a:t>
+            </a:r>
+            <a:r>
+              <a:rPr lang="en-US" dirty="0" smtClean="0">
+                <a:latin typeface="Consolas" panose="020B0609020204030204" pitchFamily="49" charset="0"/>
+                <a:cs typeface="Consolas" panose="020B0609020204030204" pitchFamily="49" charset="0"/>
+              </a:rPr>
+              <a:t>           [&amp;](auto&amp; </a:t>
+            </a:r>
+            <a:r>
+              <a:rPr lang="en-US" dirty="0" err="1" smtClean="0">
+                <a:latin typeface="Consolas" panose="020B0609020204030204" pitchFamily="49" charset="0"/>
+                <a:cs typeface="Consolas" panose="020B0609020204030204" pitchFamily="49" charset="0"/>
+              </a:rPr>
+              <a:t>tb</a:t>
+            </a:r>
+            <a:r>
+              <a:rPr lang="en-US" dirty="0" smtClean="0">
+                <a:latin typeface="Consolas" panose="020B0609020204030204" pitchFamily="49" charset="0"/>
+                <a:cs typeface="Consolas" panose="020B0609020204030204" pitchFamily="49" charset="0"/>
+              </a:rPr>
+              <a:t>) </a:t>
+            </a:r>
+          </a:p>
+          <a:p>
+            <a:pPr marL="0" indent="0">
+              <a:spcBef>
+                <a:spcPts val="0"/>
+              </a:spcBef>
+              <a:spcAft>
+                <a:spcPts val="400"/>
+              </a:spcAft>
+              <a:buNone/>
+            </a:pPr>
+            <a:r>
+              <a:rPr lang="en-US" dirty="0">
+                <a:latin typeface="Consolas" panose="020B0609020204030204" pitchFamily="49" charset="0"/>
+                <a:cs typeface="Consolas" panose="020B0609020204030204" pitchFamily="49" charset="0"/>
+              </a:rPr>
+              <a:t> </a:t>
+            </a:r>
+            <a:r>
+              <a:rPr lang="en-US" dirty="0" smtClean="0">
+                <a:latin typeface="Consolas" panose="020B0609020204030204" pitchFamily="49" charset="0"/>
+                <a:cs typeface="Consolas" panose="020B0609020204030204" pitchFamily="49" charset="0"/>
+              </a:rPr>
+              <a:t>           {</a:t>
+            </a:r>
+            <a:endParaRPr lang="en-US" dirty="0">
+              <a:latin typeface="Consolas" panose="020B0609020204030204" pitchFamily="49" charset="0"/>
+              <a:cs typeface="Consolas" panose="020B0609020204030204" pitchFamily="49" charset="0"/>
+            </a:endParaRPr>
+          </a:p>
+          <a:p>
+            <a:pPr marL="0" indent="0">
+              <a:spcBef>
+                <a:spcPts val="0"/>
+              </a:spcBef>
+              <a:spcAft>
+                <a:spcPts val="400"/>
+              </a:spcAft>
+              <a:buNone/>
+            </a:pPr>
+            <a:r>
+              <a:rPr lang="en-US" dirty="0">
+                <a:latin typeface="Consolas" panose="020B0609020204030204" pitchFamily="49" charset="0"/>
+                <a:cs typeface="Consolas" panose="020B0609020204030204" pitchFamily="49" charset="0"/>
+              </a:rPr>
+              <a:t>                if (</a:t>
+            </a:r>
+            <a:r>
+              <a:rPr lang="en-US" dirty="0" err="1">
+                <a:latin typeface="Consolas" panose="020B0609020204030204" pitchFamily="49" charset="0"/>
+                <a:cs typeface="Consolas" panose="020B0609020204030204" pitchFamily="49" charset="0"/>
+              </a:rPr>
+              <a:t>n.left</a:t>
+            </a:r>
+            <a:r>
+              <a:rPr lang="en-US" dirty="0" smtClean="0">
+                <a:latin typeface="Consolas" panose="020B0609020204030204" pitchFamily="49" charset="0"/>
+                <a:cs typeface="Consolas" panose="020B0609020204030204" pitchFamily="49" charset="0"/>
+              </a:rPr>
+              <a:t>)  </a:t>
+            </a:r>
+            <a:r>
+              <a:rPr lang="en-US" dirty="0" err="1" smtClean="0">
+                <a:latin typeface="Consolas" panose="020B0609020204030204" pitchFamily="49" charset="0"/>
+                <a:cs typeface="Consolas" panose="020B0609020204030204" pitchFamily="49" charset="0"/>
+              </a:rPr>
+              <a:t>tb.run</a:t>
+            </a:r>
+            <a:r>
+              <a:rPr lang="en-US" dirty="0">
+                <a:latin typeface="Consolas" panose="020B0609020204030204" pitchFamily="49" charset="0"/>
+                <a:cs typeface="Consolas" panose="020B0609020204030204" pitchFamily="49" charset="0"/>
+              </a:rPr>
+              <a:t>([&amp;] { left = traverse(*</a:t>
+            </a:r>
+            <a:r>
+              <a:rPr lang="en-US" dirty="0" err="1">
+                <a:latin typeface="Consolas" panose="020B0609020204030204" pitchFamily="49" charset="0"/>
+                <a:cs typeface="Consolas" panose="020B0609020204030204" pitchFamily="49" charset="0"/>
+              </a:rPr>
+              <a:t>n.left</a:t>
+            </a:r>
+            <a:r>
+              <a:rPr lang="en-US" dirty="0">
+                <a:latin typeface="Consolas" panose="020B0609020204030204" pitchFamily="49" charset="0"/>
+                <a:cs typeface="Consolas" panose="020B0609020204030204" pitchFamily="49" charset="0"/>
+              </a:rPr>
+              <a:t>, compute); });</a:t>
+            </a:r>
+          </a:p>
+          <a:p>
+            <a:pPr marL="0" indent="0">
+              <a:spcBef>
+                <a:spcPts val="0"/>
+              </a:spcBef>
+              <a:spcAft>
+                <a:spcPts val="400"/>
+              </a:spcAft>
+              <a:buNone/>
+            </a:pPr>
+            <a:r>
+              <a:rPr lang="en-US" dirty="0">
+                <a:latin typeface="Consolas" panose="020B0609020204030204" pitchFamily="49" charset="0"/>
+                <a:cs typeface="Consolas" panose="020B0609020204030204" pitchFamily="49" charset="0"/>
+              </a:rPr>
+              <a:t>                if (</a:t>
+            </a:r>
+            <a:r>
+              <a:rPr lang="en-US" dirty="0" err="1">
+                <a:latin typeface="Consolas" panose="020B0609020204030204" pitchFamily="49" charset="0"/>
+                <a:cs typeface="Consolas" panose="020B0609020204030204" pitchFamily="49" charset="0"/>
+              </a:rPr>
+              <a:t>n.right</a:t>
+            </a:r>
+            <a:r>
+              <a:rPr lang="en-US" dirty="0" smtClean="0">
+                <a:latin typeface="Consolas" panose="020B0609020204030204" pitchFamily="49" charset="0"/>
+                <a:cs typeface="Consolas" panose="020B0609020204030204" pitchFamily="49" charset="0"/>
+              </a:rPr>
+              <a:t>) </a:t>
+            </a:r>
+            <a:r>
+              <a:rPr lang="en-US" dirty="0" err="1" smtClean="0">
+                <a:latin typeface="Consolas" panose="020B0609020204030204" pitchFamily="49" charset="0"/>
+                <a:cs typeface="Consolas" panose="020B0609020204030204" pitchFamily="49" charset="0"/>
+              </a:rPr>
+              <a:t>tb.run</a:t>
+            </a:r>
+            <a:r>
+              <a:rPr lang="en-US" dirty="0">
+                <a:latin typeface="Consolas" panose="020B0609020204030204" pitchFamily="49" charset="0"/>
+                <a:cs typeface="Consolas" panose="020B0609020204030204" pitchFamily="49" charset="0"/>
+              </a:rPr>
+              <a:t>([&amp;] { right = traverse(*</a:t>
+            </a:r>
+            <a:r>
+              <a:rPr lang="en-US" dirty="0" err="1">
+                <a:latin typeface="Consolas" panose="020B0609020204030204" pitchFamily="49" charset="0"/>
+                <a:cs typeface="Consolas" panose="020B0609020204030204" pitchFamily="49" charset="0"/>
+              </a:rPr>
+              <a:t>n.right</a:t>
+            </a:r>
+            <a:r>
+              <a:rPr lang="en-US" dirty="0">
+                <a:latin typeface="Consolas" panose="020B0609020204030204" pitchFamily="49" charset="0"/>
+                <a:cs typeface="Consolas" panose="020B0609020204030204" pitchFamily="49" charset="0"/>
+              </a:rPr>
+              <a:t>, compute); });</a:t>
+            </a:r>
+          </a:p>
+          <a:p>
+            <a:pPr marL="0" indent="0">
+              <a:spcBef>
+                <a:spcPts val="0"/>
+              </a:spcBef>
+              <a:spcAft>
+                <a:spcPts val="400"/>
+              </a:spcAft>
+              <a:buNone/>
+            </a:pPr>
+            <a:r>
+              <a:rPr lang="en-US" dirty="0">
+                <a:latin typeface="Consolas" panose="020B0609020204030204" pitchFamily="49" charset="0"/>
+                <a:cs typeface="Consolas" panose="020B0609020204030204" pitchFamily="49" charset="0"/>
+              </a:rPr>
+              <a:t>            });</a:t>
+            </a:r>
+          </a:p>
+          <a:p>
+            <a:pPr marL="0" indent="0">
+              <a:spcBef>
+                <a:spcPts val="0"/>
+              </a:spcBef>
+              <a:spcAft>
+                <a:spcPts val="400"/>
+              </a:spcAft>
+              <a:buNone/>
+            </a:pPr>
+            <a:endParaRPr lang="en-US" dirty="0">
+              <a:latin typeface="Consolas" panose="020B0609020204030204" pitchFamily="49" charset="0"/>
+              <a:cs typeface="Consolas" panose="020B0609020204030204" pitchFamily="49" charset="0"/>
+            </a:endParaRPr>
+          </a:p>
+          <a:p>
+            <a:pPr marL="0" indent="0">
+              <a:spcBef>
+                <a:spcPts val="0"/>
+              </a:spcBef>
+              <a:spcAft>
+                <a:spcPts val="400"/>
+              </a:spcAft>
+              <a:buNone/>
+            </a:pPr>
+            <a:r>
+              <a:rPr lang="en-US" dirty="0">
+                <a:latin typeface="Consolas" panose="020B0609020204030204" pitchFamily="49" charset="0"/>
+                <a:cs typeface="Consolas" panose="020B0609020204030204" pitchFamily="49" charset="0"/>
+              </a:rPr>
+              <a:t>        return compute(n) + left + right;</a:t>
+            </a:r>
+          </a:p>
+          <a:p>
+            <a:pPr marL="0" indent="0">
+              <a:spcBef>
+                <a:spcPts val="0"/>
+              </a:spcBef>
+              <a:spcAft>
+                <a:spcPts val="400"/>
+              </a:spcAft>
+              <a:buNone/>
+            </a:pPr>
+            <a:r>
+              <a:rPr lang="en-US" dirty="0">
+                <a:latin typeface="Consolas" panose="020B0609020204030204" pitchFamily="49" charset="0"/>
+                <a:cs typeface="Consolas" panose="020B0609020204030204" pitchFamily="49" charset="0"/>
+              </a:rPr>
+              <a:t>    }</a:t>
+            </a:r>
+          </a:p>
+        </p:txBody>
+      </p:sp>
+      <p:sp>
+        <p:nvSpPr>
+          <p:cNvPr id="2" name="Date Placeholder 1"/>
+          <p:cNvSpPr>
+            <a:spLocks noGrp="1"/>
+          </p:cNvSpPr>
+          <p:nvPr>
+            <p:ph type="dt" sz="half" idx="10"/>
           </p:nvPr>
         </p:nvSpPr>
         <p:spPr/>
@@ -25190,18 +25818,22 @@
           <a:bodyPr/>
           <a:lstStyle/>
           <a:p>
+            <a:r>
+              <a:rPr lang="en-US" smtClean="0"/>
+              <a:t>2/3/2016</a:t>
+            </a:r>
             <a:endParaRPr lang="en-US"/>
           </a:p>
         </p:txBody>
       </p:sp>
       <p:sp>
         <p:nvSpPr>
-          <p:cNvPr id="4" name="Date Placeholder 3"/>
+          <p:cNvPr id="3" name="Footer Placeholder 2"/>
           <p:cNvSpPr>
             <a:spLocks noGrp="1"/>
           </p:cNvSpPr>
           <p:nvPr>
-            <p:ph type="dt" sz="half" idx="10"/>
+            <p:ph type="ftr" sz="quarter" idx="11"/>
           </p:nvPr>
         </p:nvSpPr>
         <p:spPr/>
@@ -25210,8 +25842,8 @@
           <a:lstStyle/>
           <a:p>
             <a:r>
-              <a:rPr lang="en-US" smtClean="0"/>
-              <a:t>10/18/2016</a:t>
+              <a:rPr lang="de-DE" smtClean="0"/>
+              <a:t>Parallelism APIs in HPX, Hartmut Kaiser</a:t>
             </a:r>
             <a:endParaRPr lang="en-US"/>
           </a:p>
@@ -25219,30 +25851,7 @@
       </p:sp>
       <p:sp>
         <p:nvSpPr>
-          <p:cNvPr id="5" name="Footer Placeholder 4"/>
-          <p:cNvSpPr>
-            <a:spLocks noGrp="1"/>
-          </p:cNvSpPr>
-          <p:nvPr>
-            <p:ph type="ftr" sz="quarter" idx="11"/>
-          </p:nvPr>
-        </p:nvSpPr>
-        <p:spPr/>
-        <p:txBody>
-          <a:bodyPr/>
-          <a:lstStyle/>
-          <a:p>
-            <a:r>
-              <a:rPr lang="en-US" smtClean="0"/>
-              <a:t>HPX Workshop (Berkeley C++ Summit) - 2,            Hartmut Kaiser (hkaiser@cct.lsu.edu)</a:t>
-            </a:r>
-            <a:endParaRPr lang="en-US"/>
-          </a:p>
-        </p:txBody>
-      </p:sp>
-      <p:sp>
-        <p:nvSpPr>
-          <p:cNvPr id="6" name="Slide Number Placeholder 5"/>
+          <p:cNvPr id="7" name="Slide Number Placeholder 6"/>
           <p:cNvSpPr>
             <a:spLocks noGrp="1"/>
           </p:cNvSpPr>
@@ -25257,7 +25866,7 @@
           </a:bodyPr>
           <a:lstStyle/>
           <a:p>
-            <a:fld id="{B102E578-8C1A-4150-8490-48A08D76AC22}" type="slidenum">
+            <a:fld id="{65339F38-439B-42BE-A6DB-D203DE66964E}" type="slidenum">
               <a:rPr lang="en-US" smtClean="0"/>
               <a:t>42</a:t>
             </a:fld>
@@ -25268,17 +25877,1065 @@
     </p:spTree>
     <p:extLst>
       <p:ext uri="{BB962C8B-B14F-4D97-AF65-F5344CB8AC3E}">
-        <p14:creationId xmlns:p14="http://schemas.microsoft.com/office/powerpoint/2010/main" val="3871037746"/>
+        <p14:creationId xmlns:p14="http://schemas.microsoft.com/office/powerpoint/2010/main" val="242535664"/>
       </p:ext>
     </p:extLst>
   </p:cSld>
   <p:clrMapOvr>
     <a:masterClrMapping/>
   </p:clrMapOvr>
+  <p:timing>
+    <p:tnLst>
+      <p:par>
+        <p:cTn id="1" dur="indefinite" restart="never" nodeType="tmRoot"/>
+      </p:par>
+    </p:tnLst>
+  </p:timing>
 </p:sld>
 </file>
 
 <file path=ppt/slides/slide43.xml><?xml version="1.0" encoding="utf-8"?>
+<p:sld xmlns:a="http://schemas.openxmlformats.org/drawingml/2006/main" xmlns:r="http://schemas.openxmlformats.org/officeDocument/2006/relationships" xmlns:p="http://schemas.openxmlformats.org/presentationml/2006/main">
+  <p:cSld>
+    <p:spTree>
+      <p:nvGrpSpPr>
+        <p:cNvPr id="1" name=""/>
+        <p:cNvGrpSpPr/>
+        <p:nvPr/>
+      </p:nvGrpSpPr>
+      <p:grpSpPr>
+        <a:xfrm>
+          <a:off x="0" y="0"/>
+          <a:ext cx="0" cy="0"/>
+          <a:chOff x="0" y="0"/>
+          <a:chExt cx="0" cy="0"/>
+        </a:xfrm>
+      </p:grpSpPr>
+      <p:sp>
+        <p:nvSpPr>
+          <p:cNvPr id="2" name="Title 1"/>
+          <p:cNvSpPr>
+            <a:spLocks noGrp="1"/>
+          </p:cNvSpPr>
+          <p:nvPr>
+            <p:ph type="title"/>
+          </p:nvPr>
+        </p:nvSpPr>
+        <p:spPr/>
+        <p:txBody>
+          <a:bodyPr/>
+          <a:lstStyle/>
+          <a:p>
+            <a:r>
+              <a:rPr lang="en-US" dirty="0" smtClean="0"/>
+              <a:t>Task blocks </a:t>
+            </a:r>
+            <a:r>
+              <a:rPr lang="en-US" dirty="0"/>
+              <a:t>(</a:t>
+            </a:r>
+            <a:r>
+              <a:rPr lang="en-US" dirty="0" smtClean="0"/>
+              <a:t>HPX)</a:t>
+            </a:r>
+            <a:endParaRPr lang="en-US" dirty="0"/>
+          </a:p>
+        </p:txBody>
+      </p:sp>
+      <p:sp>
+        <p:nvSpPr>
+          <p:cNvPr id="3" name="Content Placeholder 2"/>
+          <p:cNvSpPr>
+            <a:spLocks noGrp="1"/>
+          </p:cNvSpPr>
+          <p:nvPr>
+            <p:ph idx="1"/>
+          </p:nvPr>
+        </p:nvSpPr>
+        <p:spPr/>
+        <p:txBody>
+          <a:bodyPr/>
+          <a:lstStyle/>
+          <a:p>
+            <a:r>
+              <a:rPr lang="en-US" dirty="0" smtClean="0"/>
+              <a:t>Added optional execution policy argument</a:t>
+            </a:r>
+          </a:p>
+          <a:p>
+            <a:pPr lvl="1"/>
+            <a:r>
+              <a:rPr lang="en-US" dirty="0" smtClean="0"/>
+              <a:t>Allows to make task block execute asynchronously</a:t>
+            </a:r>
+          </a:p>
+          <a:p>
+            <a:r>
+              <a:rPr lang="en-US" dirty="0" smtClean="0"/>
+              <a:t>Added optional executor argument to </a:t>
+            </a:r>
+            <a:r>
+              <a:rPr lang="en-US" dirty="0" err="1" smtClean="0">
+                <a:latin typeface="Consolas" panose="020B0609020204030204" pitchFamily="49" charset="0"/>
+                <a:cs typeface="Consolas" panose="020B0609020204030204" pitchFamily="49" charset="0"/>
+              </a:rPr>
+              <a:t>task_block</a:t>
+            </a:r>
+            <a:r>
+              <a:rPr lang="en-US" dirty="0" smtClean="0">
+                <a:latin typeface="Consolas" panose="020B0609020204030204" pitchFamily="49" charset="0"/>
+                <a:cs typeface="Consolas" panose="020B0609020204030204" pitchFamily="49" charset="0"/>
+              </a:rPr>
+              <a:t>::run()</a:t>
+            </a:r>
+          </a:p>
+          <a:p>
+            <a:pPr lvl="1"/>
+            <a:r>
+              <a:rPr lang="en-US" dirty="0" smtClean="0"/>
+              <a:t>Allows for fine control of execution of various tasks run inside the task block</a:t>
+            </a:r>
+          </a:p>
+          <a:p>
+            <a:endParaRPr lang="en-US" dirty="0"/>
+          </a:p>
+        </p:txBody>
+      </p:sp>
+      <p:sp>
+        <p:nvSpPr>
+          <p:cNvPr id="4" name="Date Placeholder 3"/>
+          <p:cNvSpPr>
+            <a:spLocks noGrp="1"/>
+          </p:cNvSpPr>
+          <p:nvPr>
+            <p:ph type="dt" sz="half" idx="10"/>
+          </p:nvPr>
+        </p:nvSpPr>
+        <p:spPr/>
+        <p:txBody>
+          <a:bodyPr/>
+          <a:lstStyle/>
+          <a:p>
+            <a:r>
+              <a:rPr lang="en-US" smtClean="0"/>
+              <a:t>2/3/2016</a:t>
+            </a:r>
+            <a:endParaRPr lang="en-US"/>
+          </a:p>
+        </p:txBody>
+      </p:sp>
+      <p:sp>
+        <p:nvSpPr>
+          <p:cNvPr id="5" name="Footer Placeholder 4"/>
+          <p:cNvSpPr>
+            <a:spLocks noGrp="1"/>
+          </p:cNvSpPr>
+          <p:nvPr>
+            <p:ph type="ftr" sz="quarter" idx="11"/>
+          </p:nvPr>
+        </p:nvSpPr>
+        <p:spPr/>
+        <p:txBody>
+          <a:bodyPr/>
+          <a:lstStyle/>
+          <a:p>
+            <a:r>
+              <a:rPr lang="de-DE" smtClean="0"/>
+              <a:t>Parallelism APIs in HPX, Hartmut Kaiser</a:t>
+            </a:r>
+            <a:endParaRPr lang="en-US"/>
+          </a:p>
+        </p:txBody>
+      </p:sp>
+      <p:sp>
+        <p:nvSpPr>
+          <p:cNvPr id="6" name="Slide Number Placeholder 5"/>
+          <p:cNvSpPr>
+            <a:spLocks noGrp="1"/>
+          </p:cNvSpPr>
+          <p:nvPr>
+            <p:ph type="sldNum" sz="quarter" idx="12"/>
+          </p:nvPr>
+        </p:nvSpPr>
+        <p:spPr/>
+        <p:txBody>
+          <a:bodyPr>
+            <a:normAutofit lnSpcReduction="10000"/>
+          </a:bodyPr>
+          <a:lstStyle/>
+          <a:p>
+            <a:fld id="{65339F38-439B-42BE-A6DB-D203DE66964E}" type="slidenum">
+              <a:rPr lang="en-US" smtClean="0"/>
+              <a:t>43</a:t>
+            </a:fld>
+            <a:endParaRPr lang="en-US"/>
+          </a:p>
+        </p:txBody>
+      </p:sp>
+    </p:spTree>
+    <p:extLst>
+      <p:ext uri="{BB962C8B-B14F-4D97-AF65-F5344CB8AC3E}">
+        <p14:creationId xmlns:p14="http://schemas.microsoft.com/office/powerpoint/2010/main" val="3634230297"/>
+      </p:ext>
+    </p:extLst>
+  </p:cSld>
+  <p:clrMapOvr>
+    <a:masterClrMapping/>
+  </p:clrMapOvr>
+  <p:timing>
+    <p:tnLst>
+      <p:par>
+        <p:cTn id="1" dur="indefinite" restart="never" nodeType="tmRoot"/>
+      </p:par>
+    </p:tnLst>
+  </p:timing>
+</p:sld>
+</file>
+
+<file path=ppt/slides/slide44.xml><?xml version="1.0" encoding="utf-8"?>
+<p:sld xmlns:a="http://schemas.openxmlformats.org/drawingml/2006/main" xmlns:r="http://schemas.openxmlformats.org/officeDocument/2006/relationships" xmlns:p="http://schemas.openxmlformats.org/presentationml/2006/main">
+  <p:cSld>
+    <p:spTree>
+      <p:nvGrpSpPr>
+        <p:cNvPr id="1" name=""/>
+        <p:cNvGrpSpPr/>
+        <p:nvPr/>
+      </p:nvGrpSpPr>
+      <p:grpSpPr>
+        <a:xfrm>
+          <a:off x="0" y="0"/>
+          <a:ext cx="0" cy="0"/>
+          <a:chOff x="0" y="0"/>
+          <a:chExt cx="0" cy="0"/>
+        </a:xfrm>
+      </p:grpSpPr>
+      <p:sp>
+        <p:nvSpPr>
+          <p:cNvPr id="6" name="Rectangle 5"/>
+          <p:cNvSpPr/>
+          <p:nvPr/>
+        </p:nvSpPr>
+        <p:spPr>
+          <a:xfrm>
+            <a:off x="800100" y="2333625"/>
+            <a:ext cx="10485120" cy="3846512"/>
+          </a:xfrm>
+          <a:prstGeom prst="rect">
+            <a:avLst/>
+          </a:prstGeom>
+        </p:spPr>
+        <p:style>
+          <a:lnRef idx="1">
+            <a:schemeClr val="accent1"/>
+          </a:lnRef>
+          <a:fillRef idx="2">
+            <a:schemeClr val="accent1"/>
+          </a:fillRef>
+          <a:effectRef idx="1">
+            <a:schemeClr val="accent1"/>
+          </a:effectRef>
+          <a:fontRef idx="minor">
+            <a:schemeClr val="dk1"/>
+          </a:fontRef>
+        </p:style>
+        <p:txBody>
+          <a:bodyPr rtlCol="0" anchor="ctr"/>
+          <a:lstStyle/>
+          <a:p>
+            <a:pPr algn="ctr"/>
+            <a:endParaRPr lang="en-US"/>
+          </a:p>
+        </p:txBody>
+      </p:sp>
+      <p:sp>
+        <p:nvSpPr>
+          <p:cNvPr id="4" name="Title 3"/>
+          <p:cNvSpPr>
+            <a:spLocks noGrp="1"/>
+          </p:cNvSpPr>
+          <p:nvPr>
+            <p:ph type="title"/>
+          </p:nvPr>
+        </p:nvSpPr>
+        <p:spPr/>
+        <p:txBody>
+          <a:bodyPr/>
+          <a:lstStyle/>
+          <a:p>
+            <a:r>
+              <a:rPr lang="en-US" dirty="0" smtClean="0"/>
+              <a:t>Task blocks </a:t>
+            </a:r>
+            <a:r>
+              <a:rPr lang="en-US" dirty="0"/>
+              <a:t>(</a:t>
+            </a:r>
+            <a:r>
+              <a:rPr lang="en-US" dirty="0" smtClean="0"/>
+              <a:t>HPX)</a:t>
+            </a:r>
+            <a:endParaRPr lang="en-US" dirty="0"/>
+          </a:p>
+        </p:txBody>
+      </p:sp>
+      <p:sp>
+        <p:nvSpPr>
+          <p:cNvPr id="5" name="Content Placeholder 4"/>
+          <p:cNvSpPr>
+            <a:spLocks noGrp="1"/>
+          </p:cNvSpPr>
+          <p:nvPr>
+            <p:ph idx="1"/>
+          </p:nvPr>
+        </p:nvSpPr>
+        <p:spPr>
+          <a:xfrm>
+            <a:off x="1261872" y="1828800"/>
+            <a:ext cx="10023348" cy="4351337"/>
+          </a:xfrm>
+        </p:spPr>
+        <p:txBody>
+          <a:bodyPr>
+            <a:normAutofit fontScale="70000" lnSpcReduction="20000"/>
+          </a:bodyPr>
+          <a:lstStyle/>
+          <a:p>
+            <a:r>
+              <a:rPr lang="en-US" sz="2600" dirty="0" smtClean="0"/>
+              <a:t>Canonic fork-join parallelism of independent </a:t>
+            </a:r>
+            <a:r>
+              <a:rPr lang="en-US" sz="2600" dirty="0"/>
+              <a:t>and </a:t>
+            </a:r>
+            <a:r>
+              <a:rPr lang="en-US" sz="2600" dirty="0" smtClean="0"/>
+              <a:t>non-homogeneous </a:t>
+            </a:r>
+            <a:r>
+              <a:rPr lang="en-US" sz="2600" dirty="0"/>
+              <a:t>code </a:t>
+            </a:r>
+            <a:r>
+              <a:rPr lang="en-US" sz="2600" dirty="0" smtClean="0"/>
+              <a:t>paths</a:t>
+            </a:r>
+            <a:endParaRPr lang="en-US" dirty="0" smtClean="0"/>
+          </a:p>
+          <a:p>
+            <a:pPr marL="0" indent="0">
+              <a:spcBef>
+                <a:spcPts val="0"/>
+              </a:spcBef>
+              <a:spcAft>
+                <a:spcPts val="400"/>
+              </a:spcAft>
+              <a:buNone/>
+            </a:pPr>
+            <a:r>
+              <a:rPr lang="en-US" dirty="0"/>
+              <a:t> </a:t>
+            </a:r>
+            <a:endParaRPr lang="en-US" dirty="0" smtClean="0"/>
+          </a:p>
+          <a:p>
+            <a:pPr marL="0" indent="0">
+              <a:spcBef>
+                <a:spcPts val="0"/>
+              </a:spcBef>
+              <a:spcAft>
+                <a:spcPts val="400"/>
+              </a:spcAft>
+              <a:buNone/>
+            </a:pPr>
+            <a:endParaRPr lang="en-US" dirty="0">
+              <a:latin typeface="Consolas" panose="020B0609020204030204" pitchFamily="49" charset="0"/>
+              <a:cs typeface="Consolas" panose="020B0609020204030204" pitchFamily="49" charset="0"/>
+            </a:endParaRPr>
+          </a:p>
+          <a:p>
+            <a:pPr marL="0" indent="0">
+              <a:spcBef>
+                <a:spcPts val="0"/>
+              </a:spcBef>
+              <a:spcAft>
+                <a:spcPts val="400"/>
+              </a:spcAft>
+              <a:buNone/>
+            </a:pPr>
+            <a:r>
+              <a:rPr lang="en-US" dirty="0" smtClean="0">
+                <a:latin typeface="Consolas" panose="020B0609020204030204" pitchFamily="49" charset="0"/>
+                <a:cs typeface="Consolas" panose="020B0609020204030204" pitchFamily="49" charset="0"/>
+              </a:rPr>
+              <a:t>    template </a:t>
+            </a:r>
+            <a:r>
+              <a:rPr lang="en-US" dirty="0">
+                <a:latin typeface="Consolas" panose="020B0609020204030204" pitchFamily="49" charset="0"/>
+                <a:cs typeface="Consolas" panose="020B0609020204030204" pitchFamily="49" charset="0"/>
+              </a:rPr>
+              <a:t>&lt;</a:t>
+            </a:r>
+            <a:r>
+              <a:rPr lang="en-US" dirty="0" err="1">
+                <a:latin typeface="Consolas" panose="020B0609020204030204" pitchFamily="49" charset="0"/>
+                <a:cs typeface="Consolas" panose="020B0609020204030204" pitchFamily="49" charset="0"/>
+              </a:rPr>
+              <a:t>typename</a:t>
+            </a:r>
+            <a:r>
+              <a:rPr lang="en-US" dirty="0">
+                <a:latin typeface="Consolas" panose="020B0609020204030204" pitchFamily="49" charset="0"/>
+                <a:cs typeface="Consolas" panose="020B0609020204030204" pitchFamily="49" charset="0"/>
+              </a:rPr>
+              <a:t> </a:t>
+            </a:r>
+            <a:r>
+              <a:rPr lang="en-US" dirty="0" err="1">
+                <a:latin typeface="Consolas" panose="020B0609020204030204" pitchFamily="49" charset="0"/>
+                <a:cs typeface="Consolas" panose="020B0609020204030204" pitchFamily="49" charset="0"/>
+              </a:rPr>
+              <a:t>Func</a:t>
+            </a:r>
+            <a:r>
+              <a:rPr lang="en-US" dirty="0">
+                <a:latin typeface="Consolas" panose="020B0609020204030204" pitchFamily="49" charset="0"/>
+                <a:cs typeface="Consolas" panose="020B0609020204030204" pitchFamily="49" charset="0"/>
+              </a:rPr>
+              <a:t>&gt;</a:t>
+            </a:r>
+          </a:p>
+          <a:p>
+            <a:pPr marL="0" indent="0">
+              <a:spcBef>
+                <a:spcPts val="0"/>
+              </a:spcBef>
+              <a:spcAft>
+                <a:spcPts val="400"/>
+              </a:spcAft>
+              <a:buNone/>
+            </a:pPr>
+            <a:r>
+              <a:rPr lang="en-US" dirty="0">
+                <a:latin typeface="Consolas" panose="020B0609020204030204" pitchFamily="49" charset="0"/>
+                <a:cs typeface="Consolas" panose="020B0609020204030204" pitchFamily="49" charset="0"/>
+              </a:rPr>
+              <a:t>    </a:t>
+            </a:r>
+            <a:r>
+              <a:rPr lang="en-US" dirty="0" err="1">
+                <a:latin typeface="Consolas" panose="020B0609020204030204" pitchFamily="49" charset="0"/>
+                <a:cs typeface="Consolas" panose="020B0609020204030204" pitchFamily="49" charset="0"/>
+              </a:rPr>
+              <a:t>int</a:t>
+            </a:r>
+            <a:r>
+              <a:rPr lang="en-US" dirty="0">
+                <a:latin typeface="Consolas" panose="020B0609020204030204" pitchFamily="49" charset="0"/>
+                <a:cs typeface="Consolas" panose="020B0609020204030204" pitchFamily="49" charset="0"/>
+              </a:rPr>
+              <a:t> </a:t>
+            </a:r>
+            <a:r>
+              <a:rPr lang="en-US" dirty="0" smtClean="0">
+                <a:latin typeface="Consolas" panose="020B0609020204030204" pitchFamily="49" charset="0"/>
+                <a:cs typeface="Consolas" panose="020B0609020204030204" pitchFamily="49" charset="0"/>
+              </a:rPr>
+              <a:t>traverse(node </a:t>
+            </a:r>
+            <a:r>
+              <a:rPr lang="en-US" dirty="0" err="1" smtClean="0">
+                <a:latin typeface="Consolas" panose="020B0609020204030204" pitchFamily="49" charset="0"/>
+                <a:cs typeface="Consolas" panose="020B0609020204030204" pitchFamily="49" charset="0"/>
+              </a:rPr>
+              <a:t>const</a:t>
+            </a:r>
+            <a:r>
+              <a:rPr lang="en-US" dirty="0" smtClean="0">
+                <a:latin typeface="Consolas" panose="020B0609020204030204" pitchFamily="49" charset="0"/>
+                <a:cs typeface="Consolas" panose="020B0609020204030204" pitchFamily="49" charset="0"/>
+              </a:rPr>
+              <a:t>&amp; </a:t>
+            </a:r>
+            <a:r>
+              <a:rPr lang="en-US" dirty="0">
+                <a:latin typeface="Consolas" panose="020B0609020204030204" pitchFamily="49" charset="0"/>
+                <a:cs typeface="Consolas" panose="020B0609020204030204" pitchFamily="49" charset="0"/>
+              </a:rPr>
+              <a:t>n, </a:t>
+            </a:r>
+            <a:r>
+              <a:rPr lang="en-US" dirty="0" err="1" smtClean="0">
+                <a:latin typeface="Consolas" panose="020B0609020204030204" pitchFamily="49" charset="0"/>
+                <a:cs typeface="Consolas" panose="020B0609020204030204" pitchFamily="49" charset="0"/>
+              </a:rPr>
+              <a:t>Func</a:t>
+            </a:r>
+            <a:r>
+              <a:rPr lang="en-US" dirty="0" smtClean="0">
+                <a:latin typeface="Consolas" panose="020B0609020204030204" pitchFamily="49" charset="0"/>
+                <a:cs typeface="Consolas" panose="020B0609020204030204" pitchFamily="49" charset="0"/>
+              </a:rPr>
+              <a:t> </a:t>
+            </a:r>
+            <a:r>
+              <a:rPr lang="en-US" dirty="0">
+                <a:latin typeface="Consolas" panose="020B0609020204030204" pitchFamily="49" charset="0"/>
+                <a:cs typeface="Consolas" panose="020B0609020204030204" pitchFamily="49" charset="0"/>
+              </a:rPr>
+              <a:t>compute)</a:t>
+            </a:r>
+          </a:p>
+          <a:p>
+            <a:pPr marL="0" indent="0">
+              <a:spcBef>
+                <a:spcPts val="0"/>
+              </a:spcBef>
+              <a:spcAft>
+                <a:spcPts val="400"/>
+              </a:spcAft>
+              <a:buNone/>
+            </a:pPr>
+            <a:r>
+              <a:rPr lang="en-US" dirty="0">
+                <a:latin typeface="Consolas" panose="020B0609020204030204" pitchFamily="49" charset="0"/>
+                <a:cs typeface="Consolas" panose="020B0609020204030204" pitchFamily="49" charset="0"/>
+              </a:rPr>
+              <a:t>    {</a:t>
+            </a:r>
+          </a:p>
+          <a:p>
+            <a:pPr marL="0" indent="0">
+              <a:spcBef>
+                <a:spcPts val="0"/>
+              </a:spcBef>
+              <a:spcAft>
+                <a:spcPts val="400"/>
+              </a:spcAft>
+              <a:buNone/>
+            </a:pPr>
+            <a:r>
+              <a:rPr lang="en-US" dirty="0">
+                <a:latin typeface="Consolas" panose="020B0609020204030204" pitchFamily="49" charset="0"/>
+                <a:cs typeface="Consolas" panose="020B0609020204030204" pitchFamily="49" charset="0"/>
+              </a:rPr>
+              <a:t>        </a:t>
+            </a:r>
+            <a:r>
+              <a:rPr lang="en-US" dirty="0" err="1">
+                <a:latin typeface="Consolas" panose="020B0609020204030204" pitchFamily="49" charset="0"/>
+                <a:cs typeface="Consolas" panose="020B0609020204030204" pitchFamily="49" charset="0"/>
+              </a:rPr>
+              <a:t>int</a:t>
+            </a:r>
+            <a:r>
+              <a:rPr lang="en-US" dirty="0">
+                <a:latin typeface="Consolas" panose="020B0609020204030204" pitchFamily="49" charset="0"/>
+                <a:cs typeface="Consolas" panose="020B0609020204030204" pitchFamily="49" charset="0"/>
+              </a:rPr>
+              <a:t> left = 0, right = 0</a:t>
+            </a:r>
+            <a:r>
+              <a:rPr lang="en-US" dirty="0" smtClean="0">
+                <a:latin typeface="Consolas" panose="020B0609020204030204" pitchFamily="49" charset="0"/>
+                <a:cs typeface="Consolas" panose="020B0609020204030204" pitchFamily="49" charset="0"/>
+              </a:rPr>
+              <a:t>;</a:t>
+            </a:r>
+          </a:p>
+          <a:p>
+            <a:pPr marL="0" indent="0">
+              <a:spcBef>
+                <a:spcPts val="0"/>
+              </a:spcBef>
+              <a:spcAft>
+                <a:spcPts val="400"/>
+              </a:spcAft>
+              <a:buNone/>
+            </a:pPr>
+            <a:endParaRPr lang="en-US" dirty="0">
+              <a:latin typeface="Consolas" panose="020B0609020204030204" pitchFamily="49" charset="0"/>
+              <a:cs typeface="Consolas" panose="020B0609020204030204" pitchFamily="49" charset="0"/>
+            </a:endParaRPr>
+          </a:p>
+          <a:p>
+            <a:pPr marL="0" indent="0">
+              <a:spcBef>
+                <a:spcPts val="0"/>
+              </a:spcBef>
+              <a:spcAft>
+                <a:spcPts val="400"/>
+              </a:spcAft>
+              <a:buNone/>
+            </a:pPr>
+            <a:r>
+              <a:rPr lang="en-US" dirty="0">
+                <a:latin typeface="Consolas" panose="020B0609020204030204" pitchFamily="49" charset="0"/>
+                <a:cs typeface="Consolas" panose="020B0609020204030204" pitchFamily="49" charset="0"/>
+              </a:rPr>
+              <a:t>        </a:t>
+            </a:r>
+            <a:r>
+              <a:rPr lang="en-US" dirty="0" err="1">
+                <a:latin typeface="Consolas" panose="020B0609020204030204" pitchFamily="49" charset="0"/>
+                <a:cs typeface="Consolas" panose="020B0609020204030204" pitchFamily="49" charset="0"/>
+              </a:rPr>
+              <a:t>define_task_block</a:t>
+            </a:r>
+            <a:r>
+              <a:rPr lang="en-US" dirty="0" smtClean="0">
+                <a:latin typeface="Consolas" panose="020B0609020204030204" pitchFamily="49" charset="0"/>
+                <a:cs typeface="Consolas" panose="020B0609020204030204" pitchFamily="49" charset="0"/>
+              </a:rPr>
+              <a:t>(</a:t>
+            </a:r>
+          </a:p>
+          <a:p>
+            <a:pPr marL="0" indent="0">
+              <a:spcBef>
+                <a:spcPts val="0"/>
+              </a:spcBef>
+              <a:spcAft>
+                <a:spcPts val="400"/>
+              </a:spcAft>
+              <a:buNone/>
+            </a:pPr>
+            <a:r>
+              <a:rPr lang="en-US" dirty="0">
+                <a:latin typeface="Consolas" panose="020B0609020204030204" pitchFamily="49" charset="0"/>
+                <a:cs typeface="Consolas" panose="020B0609020204030204" pitchFamily="49" charset="0"/>
+              </a:rPr>
+              <a:t> </a:t>
+            </a:r>
+            <a:r>
+              <a:rPr lang="en-US" dirty="0" smtClean="0">
+                <a:latin typeface="Consolas" panose="020B0609020204030204" pitchFamily="49" charset="0"/>
+                <a:cs typeface="Consolas" panose="020B0609020204030204" pitchFamily="49" charset="0"/>
+              </a:rPr>
+              <a:t>           </a:t>
+            </a:r>
+            <a:r>
+              <a:rPr lang="en-US" dirty="0" smtClean="0">
+                <a:solidFill>
+                  <a:schemeClr val="accent2"/>
+                </a:solidFill>
+                <a:latin typeface="Consolas" panose="020B0609020204030204" pitchFamily="49" charset="0"/>
+                <a:cs typeface="Consolas" panose="020B0609020204030204" pitchFamily="49" charset="0"/>
+              </a:rPr>
+              <a:t>policy,</a:t>
+            </a:r>
+            <a:r>
+              <a:rPr lang="en-US" dirty="0" smtClean="0">
+                <a:latin typeface="Consolas" panose="020B0609020204030204" pitchFamily="49" charset="0"/>
+                <a:cs typeface="Consolas" panose="020B0609020204030204" pitchFamily="49" charset="0"/>
+              </a:rPr>
+              <a:t>           // any (possibly rebound) execution policy</a:t>
+            </a:r>
+            <a:endParaRPr lang="en-US" dirty="0">
+              <a:latin typeface="Consolas" panose="020B0609020204030204" pitchFamily="49" charset="0"/>
+              <a:cs typeface="Consolas" panose="020B0609020204030204" pitchFamily="49" charset="0"/>
+            </a:endParaRPr>
+          </a:p>
+          <a:p>
+            <a:pPr marL="0" indent="0">
+              <a:spcBef>
+                <a:spcPts val="0"/>
+              </a:spcBef>
+              <a:spcAft>
+                <a:spcPts val="400"/>
+              </a:spcAft>
+              <a:buNone/>
+            </a:pPr>
+            <a:r>
+              <a:rPr lang="en-US" dirty="0">
+                <a:latin typeface="Consolas" panose="020B0609020204030204" pitchFamily="49" charset="0"/>
+                <a:cs typeface="Consolas" panose="020B0609020204030204" pitchFamily="49" charset="0"/>
+              </a:rPr>
+              <a:t>            </a:t>
+            </a:r>
+            <a:r>
+              <a:rPr lang="en-US" dirty="0" smtClean="0">
+                <a:latin typeface="Consolas" panose="020B0609020204030204" pitchFamily="49" charset="0"/>
+                <a:cs typeface="Consolas" panose="020B0609020204030204" pitchFamily="49" charset="0"/>
+              </a:rPr>
+              <a:t>[&amp;](auto&amp; </a:t>
+            </a:r>
+            <a:r>
+              <a:rPr lang="en-US" dirty="0" err="1" smtClean="0">
+                <a:latin typeface="Consolas" panose="020B0609020204030204" pitchFamily="49" charset="0"/>
+                <a:cs typeface="Consolas" panose="020B0609020204030204" pitchFamily="49" charset="0"/>
+              </a:rPr>
+              <a:t>tb</a:t>
+            </a:r>
+            <a:r>
+              <a:rPr lang="en-US" dirty="0" smtClean="0">
+                <a:latin typeface="Consolas" panose="020B0609020204030204" pitchFamily="49" charset="0"/>
+                <a:cs typeface="Consolas" panose="020B0609020204030204" pitchFamily="49" charset="0"/>
+              </a:rPr>
+              <a:t>) </a:t>
+            </a:r>
+          </a:p>
+          <a:p>
+            <a:pPr marL="0" indent="0">
+              <a:spcBef>
+                <a:spcPts val="0"/>
+              </a:spcBef>
+              <a:spcAft>
+                <a:spcPts val="400"/>
+              </a:spcAft>
+              <a:buNone/>
+            </a:pPr>
+            <a:r>
+              <a:rPr lang="en-US" dirty="0">
+                <a:latin typeface="Consolas" panose="020B0609020204030204" pitchFamily="49" charset="0"/>
+                <a:cs typeface="Consolas" panose="020B0609020204030204" pitchFamily="49" charset="0"/>
+              </a:rPr>
+              <a:t> </a:t>
+            </a:r>
+            <a:r>
+              <a:rPr lang="en-US" dirty="0" smtClean="0">
+                <a:latin typeface="Consolas" panose="020B0609020204030204" pitchFamily="49" charset="0"/>
+                <a:cs typeface="Consolas" panose="020B0609020204030204" pitchFamily="49" charset="0"/>
+              </a:rPr>
+              <a:t>           {</a:t>
+            </a:r>
+            <a:endParaRPr lang="en-US" dirty="0">
+              <a:latin typeface="Consolas" panose="020B0609020204030204" pitchFamily="49" charset="0"/>
+              <a:cs typeface="Consolas" panose="020B0609020204030204" pitchFamily="49" charset="0"/>
+            </a:endParaRPr>
+          </a:p>
+          <a:p>
+            <a:pPr marL="0" indent="0">
+              <a:spcBef>
+                <a:spcPts val="0"/>
+              </a:spcBef>
+              <a:spcAft>
+                <a:spcPts val="400"/>
+              </a:spcAft>
+              <a:buNone/>
+            </a:pPr>
+            <a:r>
+              <a:rPr lang="en-US" dirty="0">
+                <a:latin typeface="Consolas" panose="020B0609020204030204" pitchFamily="49" charset="0"/>
+                <a:cs typeface="Consolas" panose="020B0609020204030204" pitchFamily="49" charset="0"/>
+              </a:rPr>
+              <a:t>                if (</a:t>
+            </a:r>
+            <a:r>
+              <a:rPr lang="en-US" dirty="0" err="1">
+                <a:latin typeface="Consolas" panose="020B0609020204030204" pitchFamily="49" charset="0"/>
+                <a:cs typeface="Consolas" panose="020B0609020204030204" pitchFamily="49" charset="0"/>
+              </a:rPr>
+              <a:t>n.left</a:t>
+            </a:r>
+            <a:r>
+              <a:rPr lang="en-US" dirty="0" smtClean="0">
+                <a:latin typeface="Consolas" panose="020B0609020204030204" pitchFamily="49" charset="0"/>
+                <a:cs typeface="Consolas" panose="020B0609020204030204" pitchFamily="49" charset="0"/>
+              </a:rPr>
+              <a:t>)  </a:t>
+            </a:r>
+            <a:r>
+              <a:rPr lang="en-US" dirty="0" err="1" smtClean="0">
+                <a:latin typeface="Consolas" panose="020B0609020204030204" pitchFamily="49" charset="0"/>
+                <a:cs typeface="Consolas" panose="020B0609020204030204" pitchFamily="49" charset="0"/>
+              </a:rPr>
+              <a:t>tb.run</a:t>
+            </a:r>
+            <a:r>
+              <a:rPr lang="en-US" dirty="0" smtClean="0">
+                <a:latin typeface="Consolas" panose="020B0609020204030204" pitchFamily="49" charset="0"/>
+                <a:cs typeface="Consolas" panose="020B0609020204030204" pitchFamily="49" charset="0"/>
+              </a:rPr>
+              <a:t>(</a:t>
+            </a:r>
+            <a:r>
+              <a:rPr lang="en-US" dirty="0" smtClean="0">
+                <a:solidFill>
+                  <a:schemeClr val="accent2"/>
+                </a:solidFill>
+                <a:latin typeface="Consolas" panose="020B0609020204030204" pitchFamily="49" charset="0"/>
+                <a:cs typeface="Consolas" panose="020B0609020204030204" pitchFamily="49" charset="0"/>
+              </a:rPr>
+              <a:t>my_exec1</a:t>
+            </a:r>
+            <a:r>
+              <a:rPr lang="en-US" dirty="0" smtClean="0">
+                <a:latin typeface="Consolas" panose="020B0609020204030204" pitchFamily="49" charset="0"/>
+                <a:cs typeface="Consolas" panose="020B0609020204030204" pitchFamily="49" charset="0"/>
+              </a:rPr>
+              <a:t>, [&amp;] </a:t>
+            </a:r>
+            <a:r>
+              <a:rPr lang="en-US" dirty="0">
+                <a:latin typeface="Consolas" panose="020B0609020204030204" pitchFamily="49" charset="0"/>
+                <a:cs typeface="Consolas" panose="020B0609020204030204" pitchFamily="49" charset="0"/>
+              </a:rPr>
+              <a:t>{ left = traverse(*</a:t>
+            </a:r>
+            <a:r>
+              <a:rPr lang="en-US" dirty="0" err="1">
+                <a:latin typeface="Consolas" panose="020B0609020204030204" pitchFamily="49" charset="0"/>
+                <a:cs typeface="Consolas" panose="020B0609020204030204" pitchFamily="49" charset="0"/>
+              </a:rPr>
+              <a:t>n.left</a:t>
+            </a:r>
+            <a:r>
+              <a:rPr lang="en-US" dirty="0">
+                <a:latin typeface="Consolas" panose="020B0609020204030204" pitchFamily="49" charset="0"/>
+                <a:cs typeface="Consolas" panose="020B0609020204030204" pitchFamily="49" charset="0"/>
+              </a:rPr>
+              <a:t>, compute); });</a:t>
+            </a:r>
+          </a:p>
+          <a:p>
+            <a:pPr marL="0" indent="0">
+              <a:spcBef>
+                <a:spcPts val="0"/>
+              </a:spcBef>
+              <a:spcAft>
+                <a:spcPts val="400"/>
+              </a:spcAft>
+              <a:buNone/>
+            </a:pPr>
+            <a:r>
+              <a:rPr lang="en-US" dirty="0">
+                <a:latin typeface="Consolas" panose="020B0609020204030204" pitchFamily="49" charset="0"/>
+                <a:cs typeface="Consolas" panose="020B0609020204030204" pitchFamily="49" charset="0"/>
+              </a:rPr>
+              <a:t>                if (</a:t>
+            </a:r>
+            <a:r>
+              <a:rPr lang="en-US" dirty="0" err="1">
+                <a:latin typeface="Consolas" panose="020B0609020204030204" pitchFamily="49" charset="0"/>
+                <a:cs typeface="Consolas" panose="020B0609020204030204" pitchFamily="49" charset="0"/>
+              </a:rPr>
+              <a:t>n.right</a:t>
+            </a:r>
+            <a:r>
+              <a:rPr lang="en-US" dirty="0" smtClean="0">
+                <a:latin typeface="Consolas" panose="020B0609020204030204" pitchFamily="49" charset="0"/>
+                <a:cs typeface="Consolas" panose="020B0609020204030204" pitchFamily="49" charset="0"/>
+              </a:rPr>
+              <a:t>) </a:t>
+            </a:r>
+            <a:r>
+              <a:rPr lang="en-US" dirty="0" err="1" smtClean="0">
+                <a:latin typeface="Consolas" panose="020B0609020204030204" pitchFamily="49" charset="0"/>
+                <a:cs typeface="Consolas" panose="020B0609020204030204" pitchFamily="49" charset="0"/>
+              </a:rPr>
+              <a:t>tb.run</a:t>
+            </a:r>
+            <a:r>
+              <a:rPr lang="en-US" dirty="0" smtClean="0">
+                <a:latin typeface="Consolas" panose="020B0609020204030204" pitchFamily="49" charset="0"/>
+                <a:cs typeface="Consolas" panose="020B0609020204030204" pitchFamily="49" charset="0"/>
+              </a:rPr>
+              <a:t>(</a:t>
+            </a:r>
+            <a:r>
+              <a:rPr lang="en-US" dirty="0" smtClean="0">
+                <a:solidFill>
+                  <a:schemeClr val="accent2"/>
+                </a:solidFill>
+                <a:latin typeface="Consolas" panose="020B0609020204030204" pitchFamily="49" charset="0"/>
+                <a:cs typeface="Consolas" panose="020B0609020204030204" pitchFamily="49" charset="0"/>
+              </a:rPr>
+              <a:t>my_exec2</a:t>
+            </a:r>
+            <a:r>
+              <a:rPr lang="en-US" dirty="0" smtClean="0">
+                <a:latin typeface="Consolas" panose="020B0609020204030204" pitchFamily="49" charset="0"/>
+                <a:cs typeface="Consolas" panose="020B0609020204030204" pitchFamily="49" charset="0"/>
+              </a:rPr>
+              <a:t>, [&amp;] </a:t>
+            </a:r>
+            <a:r>
+              <a:rPr lang="en-US" dirty="0">
+                <a:latin typeface="Consolas" panose="020B0609020204030204" pitchFamily="49" charset="0"/>
+                <a:cs typeface="Consolas" panose="020B0609020204030204" pitchFamily="49" charset="0"/>
+              </a:rPr>
+              <a:t>{ right = traverse(*</a:t>
+            </a:r>
+            <a:r>
+              <a:rPr lang="en-US" dirty="0" err="1">
+                <a:latin typeface="Consolas" panose="020B0609020204030204" pitchFamily="49" charset="0"/>
+                <a:cs typeface="Consolas" panose="020B0609020204030204" pitchFamily="49" charset="0"/>
+              </a:rPr>
+              <a:t>n.right</a:t>
+            </a:r>
+            <a:r>
+              <a:rPr lang="en-US" dirty="0">
+                <a:latin typeface="Consolas" panose="020B0609020204030204" pitchFamily="49" charset="0"/>
+                <a:cs typeface="Consolas" panose="020B0609020204030204" pitchFamily="49" charset="0"/>
+              </a:rPr>
+              <a:t>, compute); });</a:t>
+            </a:r>
+          </a:p>
+          <a:p>
+            <a:pPr marL="0" indent="0">
+              <a:spcBef>
+                <a:spcPts val="0"/>
+              </a:spcBef>
+              <a:spcAft>
+                <a:spcPts val="400"/>
+              </a:spcAft>
+              <a:buNone/>
+            </a:pPr>
+            <a:r>
+              <a:rPr lang="en-US" dirty="0">
+                <a:latin typeface="Consolas" panose="020B0609020204030204" pitchFamily="49" charset="0"/>
+                <a:cs typeface="Consolas" panose="020B0609020204030204" pitchFamily="49" charset="0"/>
+              </a:rPr>
+              <a:t>            });</a:t>
+            </a:r>
+          </a:p>
+          <a:p>
+            <a:pPr marL="0" indent="0">
+              <a:spcBef>
+                <a:spcPts val="0"/>
+              </a:spcBef>
+              <a:spcAft>
+                <a:spcPts val="400"/>
+              </a:spcAft>
+              <a:buNone/>
+            </a:pPr>
+            <a:endParaRPr lang="en-US" dirty="0">
+              <a:latin typeface="Consolas" panose="020B0609020204030204" pitchFamily="49" charset="0"/>
+              <a:cs typeface="Consolas" panose="020B0609020204030204" pitchFamily="49" charset="0"/>
+            </a:endParaRPr>
+          </a:p>
+          <a:p>
+            <a:pPr marL="0" indent="0">
+              <a:spcBef>
+                <a:spcPts val="0"/>
+              </a:spcBef>
+              <a:spcAft>
+                <a:spcPts val="400"/>
+              </a:spcAft>
+              <a:buNone/>
+            </a:pPr>
+            <a:r>
+              <a:rPr lang="en-US" dirty="0">
+                <a:latin typeface="Consolas" panose="020B0609020204030204" pitchFamily="49" charset="0"/>
+                <a:cs typeface="Consolas" panose="020B0609020204030204" pitchFamily="49" charset="0"/>
+              </a:rPr>
+              <a:t>        return compute(n) + left + right;</a:t>
+            </a:r>
+          </a:p>
+          <a:p>
+            <a:pPr marL="0" indent="0">
+              <a:spcBef>
+                <a:spcPts val="0"/>
+              </a:spcBef>
+              <a:spcAft>
+                <a:spcPts val="400"/>
+              </a:spcAft>
+              <a:buNone/>
+            </a:pPr>
+            <a:r>
+              <a:rPr lang="en-US" dirty="0">
+                <a:latin typeface="Consolas" panose="020B0609020204030204" pitchFamily="49" charset="0"/>
+                <a:cs typeface="Consolas" panose="020B0609020204030204" pitchFamily="49" charset="0"/>
+              </a:rPr>
+              <a:t>    }</a:t>
+            </a:r>
+          </a:p>
+        </p:txBody>
+      </p:sp>
+      <p:sp>
+        <p:nvSpPr>
+          <p:cNvPr id="2" name="Date Placeholder 1"/>
+          <p:cNvSpPr>
+            <a:spLocks noGrp="1"/>
+          </p:cNvSpPr>
+          <p:nvPr>
+            <p:ph type="dt" sz="half" idx="10"/>
+          </p:nvPr>
+        </p:nvSpPr>
+        <p:spPr/>
+        <p:txBody>
+          <a:bodyPr/>
+          <a:lstStyle/>
+          <a:p>
+            <a:r>
+              <a:rPr lang="en-US" smtClean="0"/>
+              <a:t>2/3/2016</a:t>
+            </a:r>
+            <a:endParaRPr lang="en-US"/>
+          </a:p>
+        </p:txBody>
+      </p:sp>
+      <p:sp>
+        <p:nvSpPr>
+          <p:cNvPr id="3" name="Footer Placeholder 2"/>
+          <p:cNvSpPr>
+            <a:spLocks noGrp="1"/>
+          </p:cNvSpPr>
+          <p:nvPr>
+            <p:ph type="ftr" sz="quarter" idx="11"/>
+          </p:nvPr>
+        </p:nvSpPr>
+        <p:spPr/>
+        <p:txBody>
+          <a:bodyPr/>
+          <a:lstStyle/>
+          <a:p>
+            <a:r>
+              <a:rPr lang="de-DE" smtClean="0"/>
+              <a:t>Parallelism APIs in HPX, Hartmut Kaiser</a:t>
+            </a:r>
+            <a:endParaRPr lang="en-US"/>
+          </a:p>
+        </p:txBody>
+      </p:sp>
+      <p:sp>
+        <p:nvSpPr>
+          <p:cNvPr id="7" name="Slide Number Placeholder 6"/>
+          <p:cNvSpPr>
+            <a:spLocks noGrp="1"/>
+          </p:cNvSpPr>
+          <p:nvPr>
+            <p:ph type="sldNum" sz="quarter" idx="12"/>
+          </p:nvPr>
+        </p:nvSpPr>
+        <p:spPr/>
+        <p:txBody>
+          <a:bodyPr>
+            <a:normAutofit lnSpcReduction="10000"/>
+          </a:bodyPr>
+          <a:lstStyle/>
+          <a:p>
+            <a:fld id="{65339F38-439B-42BE-A6DB-D203DE66964E}" type="slidenum">
+              <a:rPr lang="en-US" smtClean="0"/>
+              <a:t>44</a:t>
+            </a:fld>
+            <a:endParaRPr lang="en-US"/>
+          </a:p>
+        </p:txBody>
+      </p:sp>
+    </p:spTree>
+    <p:extLst>
+      <p:ext uri="{BB962C8B-B14F-4D97-AF65-F5344CB8AC3E}">
+        <p14:creationId xmlns:p14="http://schemas.microsoft.com/office/powerpoint/2010/main" val="3088110351"/>
+      </p:ext>
+    </p:extLst>
+  </p:cSld>
+  <p:clrMapOvr>
+    <a:masterClrMapping/>
+  </p:clrMapOvr>
+  <p:timing>
+    <p:tnLst>
+      <p:par>
+        <p:cTn id="1" dur="indefinite" restart="never" nodeType="tmRoot"/>
+      </p:par>
+    </p:tnLst>
+  </p:timing>
+</p:sld>
+</file>
+
+<file path=ppt/slides/slide45.xml><?xml version="1.0" encoding="utf-8"?>
 <p:sld xmlns:a="http://schemas.openxmlformats.org/drawingml/2006/main" xmlns:r="http://schemas.openxmlformats.org/officeDocument/2006/relationships" xmlns:p="http://schemas.openxmlformats.org/presentationml/2006/main">
   <p:cSld>
     <p:spTree>
@@ -25574,7 +27231,7 @@
           <a:p>
             <a:fld id="{65339F38-439B-42BE-A6DB-D203DE66964E}" type="slidenum">
               <a:rPr lang="en-US" smtClean="0"/>
-              <a:t>43</a:t>
+              <a:t>45</a:t>
             </a:fld>
             <a:endParaRPr lang="en-US"/>
           </a:p>
